--- a/Week3.pptx
+++ b/Week3.pptx
@@ -479,7 +479,7 @@
           <a:p>
             <a:fld id="{6971CBC0-A96E-4761-BE41-FDEB8E6E739C}" type="datetimeFigureOut">
               <a:rPr lang="en-US" smtClean="0"/>
-              <a:t>3/16/25</a:t>
+              <a:t>4/5/25</a:t>
             </a:fld>
             <a:endParaRPr lang="en-US"/>
           </a:p>
@@ -803,7 +803,7 @@
           <a:p>
             <a:fld id="{6971CBC0-A96E-4761-BE41-FDEB8E6E739C}" type="datetimeFigureOut">
               <a:rPr lang="en-US" smtClean="0"/>
-              <a:t>3/16/25</a:t>
+              <a:t>4/5/25</a:t>
             </a:fld>
             <a:endParaRPr lang="en-US"/>
           </a:p>
@@ -1051,7 +1051,7 @@
           <a:p>
             <a:fld id="{6971CBC0-A96E-4761-BE41-FDEB8E6E739C}" type="datetimeFigureOut">
               <a:rPr lang="en-US" smtClean="0"/>
-              <a:t>3/16/25</a:t>
+              <a:t>4/5/25</a:t>
             </a:fld>
             <a:endParaRPr lang="en-US"/>
           </a:p>
@@ -1390,7 +1390,7 @@
           <a:p>
             <a:fld id="{6971CBC0-A96E-4761-BE41-FDEB8E6E739C}" type="datetimeFigureOut">
               <a:rPr lang="en-US" smtClean="0"/>
-              <a:t>3/16/25</a:t>
+              <a:t>4/5/25</a:t>
             </a:fld>
             <a:endParaRPr lang="en-US"/>
           </a:p>
@@ -1737,7 +1737,7 @@
           <a:p>
             <a:fld id="{6971CBC0-A96E-4761-BE41-FDEB8E6E739C}" type="datetimeFigureOut">
               <a:rPr lang="en-US" smtClean="0"/>
-              <a:t>3/16/25</a:t>
+              <a:t>4/5/25</a:t>
             </a:fld>
             <a:endParaRPr lang="en-US"/>
           </a:p>
@@ -2111,7 +2111,7 @@
           <a:p>
             <a:fld id="{6971CBC0-A96E-4761-BE41-FDEB8E6E739C}" type="datetimeFigureOut">
               <a:rPr lang="en-US" smtClean="0"/>
-              <a:t>3/16/25</a:t>
+              <a:t>4/5/25</a:t>
             </a:fld>
             <a:endParaRPr lang="en-US"/>
           </a:p>
@@ -2581,7 +2581,7 @@
           <a:p>
             <a:fld id="{6971CBC0-A96E-4761-BE41-FDEB8E6E739C}" type="datetimeFigureOut">
               <a:rPr lang="en-US" smtClean="0"/>
-              <a:t>3/16/25</a:t>
+              <a:t>4/5/25</a:t>
             </a:fld>
             <a:endParaRPr lang="en-US"/>
           </a:p>
@@ -2786,7 +2786,7 @@
           <a:p>
             <a:fld id="{6971CBC0-A96E-4761-BE41-FDEB8E6E739C}" type="datetimeFigureOut">
               <a:rPr lang="en-US" smtClean="0"/>
-              <a:t>3/16/25</a:t>
+              <a:t>4/5/25</a:t>
             </a:fld>
             <a:endParaRPr lang="en-US"/>
           </a:p>
@@ -2997,7 +2997,7 @@
           <a:p>
             <a:fld id="{6971CBC0-A96E-4761-BE41-FDEB8E6E739C}" type="datetimeFigureOut">
               <a:rPr lang="en-US" smtClean="0"/>
-              <a:t>3/16/25</a:t>
+              <a:t>4/5/25</a:t>
             </a:fld>
             <a:endParaRPr lang="en-US"/>
           </a:p>
@@ -3229,7 +3229,7 @@
           <a:p>
             <a:fld id="{6971CBC0-A96E-4761-BE41-FDEB8E6E739C}" type="datetimeFigureOut">
               <a:rPr lang="en-US" smtClean="0"/>
-              <a:t>3/16/25</a:t>
+              <a:t>4/5/25</a:t>
             </a:fld>
             <a:endParaRPr lang="en-US"/>
           </a:p>
@@ -3477,7 +3477,7 @@
           <a:p>
             <a:fld id="{6971CBC0-A96E-4761-BE41-FDEB8E6E739C}" type="datetimeFigureOut">
               <a:rPr lang="en-US" smtClean="0"/>
-              <a:t>3/16/25</a:t>
+              <a:t>4/5/25</a:t>
             </a:fld>
             <a:endParaRPr lang="en-US"/>
           </a:p>
@@ -3775,7 +3775,7 @@
           <a:p>
             <a:fld id="{6971CBC0-A96E-4761-BE41-FDEB8E6E739C}" type="datetimeFigureOut">
               <a:rPr lang="en-US" smtClean="0"/>
-              <a:t>3/16/25</a:t>
+              <a:t>4/5/25</a:t>
             </a:fld>
             <a:endParaRPr lang="en-US"/>
           </a:p>
@@ -4169,7 +4169,7 @@
           <a:p>
             <a:fld id="{6971CBC0-A96E-4761-BE41-FDEB8E6E739C}" type="datetimeFigureOut">
               <a:rPr lang="en-US" smtClean="0"/>
-              <a:t>3/16/25</a:t>
+              <a:t>4/5/25</a:t>
             </a:fld>
             <a:endParaRPr lang="en-US"/>
           </a:p>
@@ -4318,7 +4318,7 @@
           <a:p>
             <a:fld id="{6971CBC0-A96E-4761-BE41-FDEB8E6E739C}" type="datetimeFigureOut">
               <a:rPr lang="en-US" smtClean="0"/>
-              <a:t>3/16/25</a:t>
+              <a:t>4/5/25</a:t>
             </a:fld>
             <a:endParaRPr lang="en-US"/>
           </a:p>
@@ -4444,7 +4444,7 @@
           <a:p>
             <a:fld id="{6971CBC0-A96E-4761-BE41-FDEB8E6E739C}" type="datetimeFigureOut">
               <a:rPr lang="en-US" smtClean="0"/>
-              <a:t>3/16/25</a:t>
+              <a:t>4/5/25</a:t>
             </a:fld>
             <a:endParaRPr lang="en-US"/>
           </a:p>
@@ -4699,7 +4699,7 @@
           <a:p>
             <a:fld id="{6971CBC0-A96E-4761-BE41-FDEB8E6E739C}" type="datetimeFigureOut">
               <a:rPr lang="en-US" smtClean="0"/>
-              <a:t>3/16/25</a:t>
+              <a:t>4/5/25</a:t>
             </a:fld>
             <a:endParaRPr lang="en-US"/>
           </a:p>
@@ -5014,7 +5014,7 @@
           <a:p>
             <a:fld id="{6971CBC0-A96E-4761-BE41-FDEB8E6E739C}" type="datetimeFigureOut">
               <a:rPr lang="en-US" smtClean="0"/>
-              <a:t>3/16/25</a:t>
+              <a:t>4/5/25</a:t>
             </a:fld>
             <a:endParaRPr lang="en-US"/>
           </a:p>
@@ -5365,7 +5365,7 @@
           <a:p>
             <a:fld id="{6971CBC0-A96E-4761-BE41-FDEB8E6E739C}" type="datetimeFigureOut">
               <a:rPr lang="en-US" smtClean="0"/>
-              <a:t>3/16/25</a:t>
+              <a:t>4/5/25</a:t>
             </a:fld>
             <a:endParaRPr lang="en-US"/>
           </a:p>
@@ -5965,7 +5965,7 @@
           <a:p>
             <a:r>
               <a:rPr lang="tr-TR" sz="1600" dirty="0"/>
-              <a:t>Java8 </a:t>
+              <a:t>Java8-24 </a:t>
             </a:r>
             <a:r>
               <a:rPr lang="tr-TR" sz="1600" dirty="0" err="1"/>
@@ -10907,10 +10907,6 @@
             <a:endParaRPr lang="tr-TR" sz="1850" dirty="0"/>
           </a:p>
           <a:p>
-            <a:r>
-              <a:rPr lang="en-US" sz="1850" dirty="0"/>
-              <a:t> </a:t>
-            </a:r>
             <a:r>
               <a:rPr lang="en-US" sz="1850" b="1" i="1" dirty="0"/>
               <a:t>/health</a:t>
